--- a/인터페이스 문서/7주차/0418국창훈.pptx
+++ b/인터페이스 문서/7주차/0418국창훈.pptx
@@ -5,7 +5,7 @@
     <p:sldMasterId id="2147483648" r:id="rId1"/>
   </p:sldMasterIdLst>
   <p:notesMasterIdLst>
-    <p:notesMasterId r:id="rId32"/>
+    <p:notesMasterId r:id="rId33"/>
   </p:notesMasterIdLst>
   <p:sldIdLst>
     <p:sldId id="257" r:id="rId2"/>
@@ -37,7 +37,8 @@
     <p:sldId id="354" r:id="rId28"/>
     <p:sldId id="353" r:id="rId29"/>
     <p:sldId id="352" r:id="rId30"/>
-    <p:sldId id="355" r:id="rId31"/>
+    <p:sldId id="356" r:id="rId31"/>
+    <p:sldId id="355" r:id="rId32"/>
   </p:sldIdLst>
   <p:sldSz cx="12192000" cy="6858000"/>
   <p:notesSz cx="6858000" cy="9144000"/>
@@ -238,7 +239,7 @@
           <a:p>
             <a:fld id="{12993857-6AB4-4AA6-AD6D-3606003946AA}" type="datetimeFigureOut">
               <a:rPr lang="ko-KR" altLang="en-US" smtClean="0"/>
-              <a:t>2023-04-16</a:t>
+              <a:t>2023-04-18</a:t>
             </a:fld>
             <a:endParaRPr lang="ko-KR" altLang="en-US"/>
           </a:p>
@@ -10559,7 +10560,7 @@
           <a:p>
             <a:fld id="{F0013302-4E66-4325-BBC3-955148152B3D}" type="slidenum">
               <a:rPr lang="ko-KR" altLang="en-US" smtClean="0"/>
-              <a:t>30</a:t>
+              <a:t>31</a:t>
             </a:fld>
             <a:endParaRPr lang="ko-KR" altLang="en-US"/>
           </a:p>
@@ -11492,7 +11493,7 @@
           <a:p>
             <a:fld id="{5994A74A-E283-4521-BB29-607F83CF78F4}" type="datetimeFigureOut">
               <a:rPr lang="ko-KR" altLang="en-US" smtClean="0"/>
-              <a:t>2023-04-16</a:t>
+              <a:t>2023-04-18</a:t>
             </a:fld>
             <a:endParaRPr lang="ko-KR" altLang="en-US"/>
           </a:p>
@@ -11690,7 +11691,7 @@
           <a:p>
             <a:fld id="{5994A74A-E283-4521-BB29-607F83CF78F4}" type="datetimeFigureOut">
               <a:rPr lang="ko-KR" altLang="en-US" smtClean="0"/>
-              <a:t>2023-04-16</a:t>
+              <a:t>2023-04-18</a:t>
             </a:fld>
             <a:endParaRPr lang="ko-KR" altLang="en-US"/>
           </a:p>
@@ -11898,7 +11899,7 @@
           <a:p>
             <a:fld id="{5994A74A-E283-4521-BB29-607F83CF78F4}" type="datetimeFigureOut">
               <a:rPr lang="ko-KR" altLang="en-US" smtClean="0"/>
-              <a:t>2023-04-16</a:t>
+              <a:t>2023-04-18</a:t>
             </a:fld>
             <a:endParaRPr lang="ko-KR" altLang="en-US"/>
           </a:p>
@@ -12096,7 +12097,7 @@
           <a:p>
             <a:fld id="{5994A74A-E283-4521-BB29-607F83CF78F4}" type="datetimeFigureOut">
               <a:rPr lang="ko-KR" altLang="en-US" smtClean="0"/>
-              <a:t>2023-04-16</a:t>
+              <a:t>2023-04-18</a:t>
             </a:fld>
             <a:endParaRPr lang="ko-KR" altLang="en-US"/>
           </a:p>
@@ -12371,7 +12372,7 @@
           <a:p>
             <a:fld id="{5994A74A-E283-4521-BB29-607F83CF78F4}" type="datetimeFigureOut">
               <a:rPr lang="ko-KR" altLang="en-US" smtClean="0"/>
-              <a:t>2023-04-16</a:t>
+              <a:t>2023-04-18</a:t>
             </a:fld>
             <a:endParaRPr lang="ko-KR" altLang="en-US"/>
           </a:p>
@@ -12636,7 +12637,7 @@
           <a:p>
             <a:fld id="{5994A74A-E283-4521-BB29-607F83CF78F4}" type="datetimeFigureOut">
               <a:rPr lang="ko-KR" altLang="en-US" smtClean="0"/>
-              <a:t>2023-04-16</a:t>
+              <a:t>2023-04-18</a:t>
             </a:fld>
             <a:endParaRPr lang="ko-KR" altLang="en-US"/>
           </a:p>
@@ -13048,7 +13049,7 @@
           <a:p>
             <a:fld id="{5994A74A-E283-4521-BB29-607F83CF78F4}" type="datetimeFigureOut">
               <a:rPr lang="ko-KR" altLang="en-US" smtClean="0"/>
-              <a:t>2023-04-16</a:t>
+              <a:t>2023-04-18</a:t>
             </a:fld>
             <a:endParaRPr lang="ko-KR" altLang="en-US"/>
           </a:p>
@@ -13189,7 +13190,7 @@
           <a:p>
             <a:fld id="{5994A74A-E283-4521-BB29-607F83CF78F4}" type="datetimeFigureOut">
               <a:rPr lang="ko-KR" altLang="en-US" smtClean="0"/>
-              <a:t>2023-04-16</a:t>
+              <a:t>2023-04-18</a:t>
             </a:fld>
             <a:endParaRPr lang="ko-KR" altLang="en-US"/>
           </a:p>
@@ -13302,7 +13303,7 @@
           <a:p>
             <a:fld id="{5994A74A-E283-4521-BB29-607F83CF78F4}" type="datetimeFigureOut">
               <a:rPr lang="ko-KR" altLang="en-US" smtClean="0"/>
-              <a:t>2023-04-16</a:t>
+              <a:t>2023-04-18</a:t>
             </a:fld>
             <a:endParaRPr lang="ko-KR" altLang="en-US"/>
           </a:p>
@@ -13613,7 +13614,7 @@
           <a:p>
             <a:fld id="{5994A74A-E283-4521-BB29-607F83CF78F4}" type="datetimeFigureOut">
               <a:rPr lang="ko-KR" altLang="en-US" smtClean="0"/>
-              <a:t>2023-04-16</a:t>
+              <a:t>2023-04-18</a:t>
             </a:fld>
             <a:endParaRPr lang="ko-KR" altLang="en-US"/>
           </a:p>
@@ -13901,7 +13902,7 @@
           <a:p>
             <a:fld id="{5994A74A-E283-4521-BB29-607F83CF78F4}" type="datetimeFigureOut">
               <a:rPr lang="ko-KR" altLang="en-US" smtClean="0"/>
-              <a:t>2023-04-16</a:t>
+              <a:t>2023-04-18</a:t>
             </a:fld>
             <a:endParaRPr lang="ko-KR" altLang="en-US"/>
           </a:p>
@@ -14142,7 +14143,7 @@
           <a:p>
             <a:fld id="{5994A74A-E283-4521-BB29-607F83CF78F4}" type="datetimeFigureOut">
               <a:rPr lang="ko-KR" altLang="en-US" smtClean="0"/>
-              <a:t>2023-04-16</a:t>
+              <a:t>2023-04-18</a:t>
             </a:fld>
             <a:endParaRPr lang="ko-KR" altLang="en-US"/>
           </a:p>
@@ -25157,6 +25158,36 @@
 </file>
 
 <file path=ppt/slides/slide30.xml><?xml version="1.0" encoding="utf-8"?>
+<p:sld xmlns:a="http://schemas.openxmlformats.org/drawingml/2006/main" xmlns:r="http://schemas.openxmlformats.org/officeDocument/2006/relationships" xmlns:p="http://schemas.openxmlformats.org/presentationml/2006/main">
+  <p:cSld>
+    <p:spTree>
+      <p:nvGrpSpPr>
+        <p:cNvPr id="1" name=""/>
+        <p:cNvGrpSpPr/>
+        <p:nvPr/>
+      </p:nvGrpSpPr>
+      <p:grpSpPr>
+        <a:xfrm>
+          <a:off x="0" y="0"/>
+          <a:ext cx="0" cy="0"/>
+          <a:chOff x="0" y="0"/>
+          <a:chExt cx="0" cy="0"/>
+        </a:xfrm>
+      </p:grpSpPr>
+    </p:spTree>
+    <p:extLst>
+      <p:ext uri="{BB962C8B-B14F-4D97-AF65-F5344CB8AC3E}">
+        <p14:creationId xmlns:p14="http://schemas.microsoft.com/office/powerpoint/2010/main" val="1724146609"/>
+      </p:ext>
+    </p:extLst>
+  </p:cSld>
+  <p:clrMapOvr>
+    <a:masterClrMapping/>
+  </p:clrMapOvr>
+</p:sld>
+</file>
+
+<file path=ppt/slides/slide31.xml><?xml version="1.0" encoding="utf-8"?>
 <p:sld xmlns:a="http://schemas.openxmlformats.org/drawingml/2006/main" xmlns:r="http://schemas.openxmlformats.org/officeDocument/2006/relationships" xmlns:p="http://schemas.openxmlformats.org/presentationml/2006/main">
   <p:cSld>
     <p:spTree>
